--- a/Презентация.pptx
+++ b/Презентация.pptx
@@ -3451,6 +3451,7 @@
                     </a:srgbClr>
                   </a:outerShdw>
                 </a:effectLst>
+                <a:latin typeface="Yandex Sans Display Regular" pitchFamily="2" charset="-52"/>
               </a:rPr>
               <a:t>Система электронного дневника на </a:t>
             </a:r>
@@ -3463,6 +3464,7 @@
                     </a:srgbClr>
                   </a:outerShdw>
                 </a:effectLst>
+                <a:latin typeface="Yandex Sans Display Regular" pitchFamily="2" charset="-52"/>
               </a:rPr>
               <a:t>Python</a:t>
             </a:r>
@@ -3475,6 +3477,7 @@
                     </a:srgbClr>
                   </a:outerShdw>
                 </a:effectLst>
+                <a:latin typeface="Yandex Sans Display Regular" pitchFamily="2" charset="-52"/>
               </a:rPr>
               <a:t>.</a:t>
             </a:r>
@@ -3662,8 +3665,8 @@
         </p:nvSpPr>
         <p:spPr>
           <a:xfrm>
-            <a:off x="2532459" y="1453247"/>
-            <a:ext cx="6105524" cy="1631216"/>
+            <a:off x="2532459" y="1430142"/>
+            <a:ext cx="6105524" cy="2246769"/>
           </a:xfrm>
           <a:prstGeom prst="rect">
             <a:avLst/>
@@ -3800,7 +3803,38 @@
               <a:t>ID</a:t>
             </a:r>
             <a:r>
-              <a:rPr lang="ru-RU" sz="2000" dirty="0">
+              <a:rPr lang="ru-RU" sz="2000" dirty="0" smtClean="0">
+                <a:latin typeface="Yandex Sans Display Light" pitchFamily="2" charset="-52"/>
+                <a:ea typeface="Calibri" panose="020F0502020204030204" pitchFamily="34" charset="0"/>
+                <a:cs typeface="Amatic SC" panose="00000500000000000000" pitchFamily="2" charset="-79"/>
+              </a:rPr>
+              <a:t>.</a:t>
+            </a:r>
+            <a:br>
+              <a:rPr lang="ru-RU" sz="2000" dirty="0" smtClean="0">
+                <a:latin typeface="Yandex Sans Display Light" pitchFamily="2" charset="-52"/>
+                <a:ea typeface="Calibri" panose="020F0502020204030204" pitchFamily="34" charset="0"/>
+                <a:cs typeface="Amatic SC" panose="00000500000000000000" pitchFamily="2" charset="-79"/>
+              </a:rPr>
+            </a:br>
+            <a:r>
+              <a:rPr lang="ru-RU" sz="2000" dirty="0" smtClean="0">
+                <a:latin typeface="Yandex Sans Display Light" pitchFamily="2" charset="-52"/>
+                <a:ea typeface="Calibri" panose="020F0502020204030204" pitchFamily="34" charset="0"/>
+                <a:cs typeface="Amatic SC" panose="00000500000000000000" pitchFamily="2" charset="-79"/>
+              </a:rPr>
+              <a:t>Для «красоту» сайта отвечает библиотека </a:t>
+            </a:r>
+            <a:r>
+              <a:rPr lang="en-US" sz="2000" dirty="0" smtClean="0">
+                <a:latin typeface="Yandex Sans Display Light" pitchFamily="2" charset="-52"/>
+                <a:ea typeface="Calibri" panose="020F0502020204030204" pitchFamily="34" charset="0"/>
+                <a:cs typeface="Amatic SC" panose="00000500000000000000" pitchFamily="2" charset="-79"/>
+              </a:rPr>
+              <a:t>bootstrap</a:t>
+            </a:r>
+            <a:r>
+              <a:rPr lang="ru-RU" sz="2000" dirty="0" smtClean="0">
                 <a:latin typeface="Yandex Sans Display Light" pitchFamily="2" charset="-52"/>
                 <a:ea typeface="Calibri" panose="020F0502020204030204" pitchFamily="34" charset="0"/>
                 <a:cs typeface="Amatic SC" panose="00000500000000000000" pitchFamily="2" charset="-79"/>
@@ -3832,7 +3866,7 @@
         </p:nvSpPr>
         <p:spPr>
           <a:xfrm>
-            <a:off x="2532459" y="3706713"/>
+            <a:off x="2532459" y="4276056"/>
             <a:ext cx="6105524" cy="1631216"/>
           </a:xfrm>
           <a:prstGeom prst="rect">
@@ -4905,7 +4939,7 @@
                 <a:hlinkClick r:id="rId2">
                   <a:extLst>
                     <a:ext uri="{A12FA001-AC4F-418D-AE19-62706E023703}">
-                      <ahyp:hlinkClr xmlns:ahyp="http://schemas.microsoft.com/office/drawing/2018/hyperlinkcolor" val="tx"/>
+                      <ahyp:hlinkClr xmlns:ahyp="http://schemas.microsoft.com/office/drawing/2018/hyperlinkcolor" xmlns="" val="tx"/>
                     </a:ext>
                   </a:extLst>
                 </a:hlinkClick>
